--- a/Presentación - Binairo.pptx
+++ b/Presentación - Binairo.pptx
@@ -631,7 +631,7 @@
             <a:fld id="{B61BEF0D-F0BB-DE4B-95CE-6DB70DBA9567}" type="datetimeFigureOut">
               <a:rPr lang="en-US" dirty="0"/>
               <a:pPr/>
-              <a:t>11/25/2018</a:t>
+              <a:t>11/29/2018</a:t>
             </a:fld>
             <a:endParaRPr lang="en-US" dirty="0"/>
           </a:p>
@@ -924,7 +924,7 @@
             <a:fld id="{B61BEF0D-F0BB-DE4B-95CE-6DB70DBA9567}" type="datetimeFigureOut">
               <a:rPr lang="en-US" dirty="0"/>
               <a:pPr/>
-              <a:t>11/25/2018</a:t>
+              <a:t>11/29/2018</a:t>
             </a:fld>
             <a:endParaRPr lang="en-US" dirty="0"/>
           </a:p>
@@ -1169,7 +1169,7 @@
             <a:fld id="{B61BEF0D-F0BB-DE4B-95CE-6DB70DBA9567}" type="datetimeFigureOut">
               <a:rPr lang="en-US" dirty="0"/>
               <a:pPr/>
-              <a:t>11/25/2018</a:t>
+              <a:t>11/29/2018</a:t>
             </a:fld>
             <a:endParaRPr lang="en-US" dirty="0"/>
           </a:p>
@@ -1706,7 +1706,7 @@
             <a:fld id="{B61BEF0D-F0BB-DE4B-95CE-6DB70DBA9567}" type="datetimeFigureOut">
               <a:rPr lang="en-US" dirty="0"/>
               <a:pPr/>
-              <a:t>11/25/2018</a:t>
+              <a:t>11/29/2018</a:t>
             </a:fld>
             <a:endParaRPr lang="en-US" dirty="0"/>
           </a:p>
@@ -1951,7 +1951,7 @@
             <a:fld id="{B61BEF0D-F0BB-DE4B-95CE-6DB70DBA9567}" type="datetimeFigureOut">
               <a:rPr lang="en-US" dirty="0"/>
               <a:pPr/>
-              <a:t>11/25/2018</a:t>
+              <a:t>11/29/2018</a:t>
             </a:fld>
             <a:endParaRPr lang="en-US" dirty="0"/>
           </a:p>
@@ -2480,7 +2480,7 @@
             <a:fld id="{B61BEF0D-F0BB-DE4B-95CE-6DB70DBA9567}" type="datetimeFigureOut">
               <a:rPr lang="en-US" dirty="0"/>
               <a:pPr/>
-              <a:t>11/25/2018</a:t>
+              <a:t>11/29/2018</a:t>
             </a:fld>
             <a:endParaRPr lang="en-US" dirty="0"/>
           </a:p>
@@ -2774,7 +2774,7 @@
             <a:fld id="{B61BEF0D-F0BB-DE4B-95CE-6DB70DBA9567}" type="datetimeFigureOut">
               <a:rPr lang="en-US" dirty="0"/>
               <a:pPr/>
-              <a:t>11/25/2018</a:t>
+              <a:t>11/29/2018</a:t>
             </a:fld>
             <a:endParaRPr lang="en-US" dirty="0"/>
           </a:p>
@@ -2945,7 +2945,7 @@
             <a:fld id="{B61BEF0D-F0BB-DE4B-95CE-6DB70DBA9567}" type="datetimeFigureOut">
               <a:rPr lang="en-US" dirty="0"/>
               <a:pPr/>
-              <a:t>11/25/2018</a:t>
+              <a:t>11/29/2018</a:t>
             </a:fld>
             <a:endParaRPr lang="en-US" dirty="0"/>
           </a:p>
@@ -3122,7 +3122,7 @@
             <a:fld id="{B61BEF0D-F0BB-DE4B-95CE-6DB70DBA9567}" type="datetimeFigureOut">
               <a:rPr lang="en-US" dirty="0"/>
               <a:pPr/>
-              <a:t>11/25/2018</a:t>
+              <a:t>11/29/2018</a:t>
             </a:fld>
             <a:endParaRPr lang="en-US" dirty="0"/>
           </a:p>
@@ -3289,7 +3289,7 @@
             <a:fld id="{B61BEF0D-F0BB-DE4B-95CE-6DB70DBA9567}" type="datetimeFigureOut">
               <a:rPr lang="en-US" dirty="0"/>
               <a:pPr/>
-              <a:t>11/25/2018</a:t>
+              <a:t>11/29/2018</a:t>
             </a:fld>
             <a:endParaRPr lang="en-US" dirty="0"/>
           </a:p>
@@ -3537,7 +3537,7 @@
             <a:fld id="{B61BEF0D-F0BB-DE4B-95CE-6DB70DBA9567}" type="datetimeFigureOut">
               <a:rPr lang="en-US" dirty="0"/>
               <a:pPr/>
-              <a:t>11/25/2018</a:t>
+              <a:t>11/29/2018</a:t>
             </a:fld>
             <a:endParaRPr lang="en-US" dirty="0"/>
           </a:p>
@@ -3831,7 +3831,7 @@
             <a:fld id="{B61BEF0D-F0BB-DE4B-95CE-6DB70DBA9567}" type="datetimeFigureOut">
               <a:rPr lang="en-US" dirty="0"/>
               <a:pPr/>
-              <a:t>11/25/2018</a:t>
+              <a:t>11/29/2018</a:t>
             </a:fld>
             <a:endParaRPr lang="en-US" dirty="0"/>
           </a:p>
@@ -4270,7 +4270,7 @@
             <a:fld id="{B61BEF0D-F0BB-DE4B-95CE-6DB70DBA9567}" type="datetimeFigureOut">
               <a:rPr lang="en-US" dirty="0"/>
               <a:pPr/>
-              <a:t>11/25/2018</a:t>
+              <a:t>11/29/2018</a:t>
             </a:fld>
             <a:endParaRPr lang="en-US" dirty="0"/>
           </a:p>
@@ -4385,7 +4385,7 @@
             <a:fld id="{B61BEF0D-F0BB-DE4B-95CE-6DB70DBA9567}" type="datetimeFigureOut">
               <a:rPr lang="en-US" dirty="0"/>
               <a:pPr/>
-              <a:t>11/25/2018</a:t>
+              <a:t>11/29/2018</a:t>
             </a:fld>
             <a:endParaRPr lang="en-US" dirty="0"/>
           </a:p>
@@ -4477,7 +4477,7 @@
             <a:fld id="{B61BEF0D-F0BB-DE4B-95CE-6DB70DBA9567}" type="datetimeFigureOut">
               <a:rPr lang="en-US" dirty="0"/>
               <a:pPr/>
-              <a:t>11/25/2018</a:t>
+              <a:t>11/29/2018</a:t>
             </a:fld>
             <a:endParaRPr lang="en-US" dirty="0"/>
           </a:p>
@@ -4757,7 +4757,7 @@
             <a:fld id="{B61BEF0D-F0BB-DE4B-95CE-6DB70DBA9567}" type="datetimeFigureOut">
               <a:rPr lang="en-US" dirty="0"/>
               <a:pPr/>
-              <a:t>11/25/2018</a:t>
+              <a:t>11/29/2018</a:t>
             </a:fld>
             <a:endParaRPr lang="en-US" dirty="0"/>
           </a:p>
@@ -5045,7 +5045,7 @@
             <a:fld id="{B61BEF0D-F0BB-DE4B-95CE-6DB70DBA9567}" type="datetimeFigureOut">
               <a:rPr lang="en-US" dirty="0"/>
               <a:pPr/>
-              <a:t>11/25/2018</a:t>
+              <a:t>11/29/2018</a:t>
             </a:fld>
             <a:endParaRPr lang="en-US" dirty="0"/>
           </a:p>
@@ -5572,7 +5572,7 @@
             <a:fld id="{B61BEF0D-F0BB-DE4B-95CE-6DB70DBA9567}" type="datetimeFigureOut">
               <a:rPr lang="en-US" dirty="0"/>
               <a:pPr/>
-              <a:t>11/25/2018</a:t>
+              <a:t>11/29/2018</a:t>
             </a:fld>
             <a:endParaRPr lang="en-US" dirty="0"/>
           </a:p>
@@ -6929,7 +6929,7 @@
         </p:blipFill>
         <p:spPr>
           <a:xfrm>
-            <a:off x="7200627" y="2221499"/>
+            <a:off x="2965267" y="2262378"/>
             <a:ext cx="3084195" cy="3084195"/>
           </a:xfrm>
           <a:prstGeom prst="rect">
@@ -6959,7 +6959,7 @@
         </p:blipFill>
         <p:spPr>
           <a:xfrm>
-            <a:off x="2965269" y="2221499"/>
+            <a:off x="7200626" y="2262377"/>
             <a:ext cx="3084195" cy="3084195"/>
           </a:xfrm>
           <a:prstGeom prst="rect">
@@ -7086,11 +7086,7 @@
           <a:p>
             <a:r>
               <a:rPr lang="es-AR" dirty="0" smtClean="0"/>
-              <a:t>Implementación del programa en </a:t>
-            </a:r>
-            <a:r>
-              <a:rPr lang="es-AR" dirty="0" smtClean="0"/>
-              <a:t>Prolog</a:t>
+              <a:t>Implementación del programa en Prolog</a:t>
             </a:r>
             <a:endParaRPr lang="es-AR" dirty="0"/>
           </a:p>
@@ -7467,15 +7463,7 @@
             <a:pPr lvl="1"/>
             <a:r>
               <a:rPr lang="es-AR" dirty="0" smtClean="0"/>
-              <a:t>Definición del problema y posterior consulta en base </a:t>
-            </a:r>
-            <a:r>
-              <a:rPr lang="es-AR" dirty="0" smtClean="0"/>
-              <a:t>a </a:t>
-            </a:r>
-            <a:r>
-              <a:rPr lang="es-AR" dirty="0" smtClean="0"/>
-              <a:t>las reglas definidas</a:t>
+              <a:t>Definición del problema y posterior consulta en base a las reglas definidas</a:t>
             </a:r>
           </a:p>
           <a:p>
@@ -8805,7 +8793,7 @@
         </p:blipFill>
         <p:spPr>
           <a:xfrm>
-            <a:off x="7069688" y="2200884"/>
+            <a:off x="2598354" y="2202076"/>
             <a:ext cx="3470628" cy="3470628"/>
           </a:xfrm>
           <a:prstGeom prst="rect">
@@ -8835,7 +8823,7 @@
         </p:blipFill>
         <p:spPr>
           <a:xfrm>
-            <a:off x="2599547" y="2203267"/>
+            <a:off x="7070879" y="2203267"/>
             <a:ext cx="3468245" cy="3468245"/>
           </a:xfrm>
           <a:prstGeom prst="rect">
